--- a/Final_Presentation/IBM_Data_Analyst_Capstone_Project_Final_Presentation.pptx
+++ b/Final_Presentation/IBM_Data_Analyst_Capstone_Project_Final_Presentation.pptx
@@ -227,7 +227,7 @@
           <a:p>
             <a:fld id="{DAACE6D9-53E5-47FF-ACB1-BC4BA8571895}" type="datetimeFigureOut">
               <a:rPr lang="en-IN" smtClean="0"/>
-              <a:t>15-10-2024</a:t>
+              <a:t>16-10-2024</a:t>
             </a:fld>
             <a:endParaRPr lang="en-IN"/>
           </a:p>
@@ -734,7 +734,7 @@
           <a:p>
             <a:fld id="{1D8BD707-D9CF-40AE-B4C6-C98DA3205C09}" type="datetimeFigureOut">
               <a:rPr lang="en-US" smtClean="0"/>
-              <a:t>10/15/2024</a:t>
+              <a:t>10/16/2024</a:t>
             </a:fld>
             <a:endParaRPr lang="en-US"/>
           </a:p>
@@ -904,7 +904,7 @@
           <a:p>
             <a:fld id="{1D8BD707-D9CF-40AE-B4C6-C98DA3205C09}" type="datetimeFigureOut">
               <a:rPr lang="en-US" smtClean="0"/>
-              <a:t>10/15/2024</a:t>
+              <a:t>10/16/2024</a:t>
             </a:fld>
             <a:endParaRPr lang="en-US"/>
           </a:p>
@@ -1084,7 +1084,7 @@
           <a:p>
             <a:fld id="{1D8BD707-D9CF-40AE-B4C6-C98DA3205C09}" type="datetimeFigureOut">
               <a:rPr lang="en-US" smtClean="0"/>
-              <a:t>10/15/2024</a:t>
+              <a:t>10/16/2024</a:t>
             </a:fld>
             <a:endParaRPr lang="en-US"/>
           </a:p>
@@ -1296,7 +1296,7 @@
           <a:p>
             <a:fld id="{1D8BD707-D9CF-40AE-B4C6-C98DA3205C09}" type="datetimeFigureOut">
               <a:rPr lang="en-US"/>
-              <a:t>10/15/2024</a:t>
+              <a:t>10/16/2024</a:t>
             </a:fld>
             <a:endParaRPr lang="en-US"/>
           </a:p>
@@ -1535,7 +1535,7 @@
           <a:p>
             <a:fld id="{1D8BD707-D9CF-40AE-B4C6-C98DA3205C09}" type="datetimeFigureOut">
               <a:rPr lang="en-US"/>
-              <a:t>10/15/2024</a:t>
+              <a:t>10/16/2024</a:t>
             </a:fld>
             <a:endParaRPr lang="en-US"/>
           </a:p>
@@ -1695,7 +1695,7 @@
           <a:p>
             <a:fld id="{1D8BD707-D9CF-40AE-B4C6-C98DA3205C09}" type="datetimeFigureOut">
               <a:rPr lang="en-US" smtClean="0"/>
-              <a:t>10/15/2024</a:t>
+              <a:t>10/16/2024</a:t>
             </a:fld>
             <a:endParaRPr lang="en-US"/>
           </a:p>
@@ -1959,7 +1959,7 @@
           <a:p>
             <a:fld id="{1D8BD707-D9CF-40AE-B4C6-C98DA3205C09}" type="datetimeFigureOut">
               <a:rPr lang="en-US" smtClean="0"/>
-              <a:t>10/15/2024</a:t>
+              <a:t>10/16/2024</a:t>
             </a:fld>
             <a:endParaRPr lang="en-US"/>
           </a:p>
@@ -2247,7 +2247,7 @@
           <a:p>
             <a:fld id="{1D8BD707-D9CF-40AE-B4C6-C98DA3205C09}" type="datetimeFigureOut">
               <a:rPr lang="en-US" smtClean="0"/>
-              <a:t>10/15/2024</a:t>
+              <a:t>10/16/2024</a:t>
             </a:fld>
             <a:endParaRPr lang="en-US"/>
           </a:p>
@@ -2676,7 +2676,7 @@
           <a:p>
             <a:fld id="{1D8BD707-D9CF-40AE-B4C6-C98DA3205C09}" type="datetimeFigureOut">
               <a:rPr lang="en-US" smtClean="0"/>
-              <a:t>10/15/2024</a:t>
+              <a:t>10/16/2024</a:t>
             </a:fld>
             <a:endParaRPr lang="en-US"/>
           </a:p>
@@ -2794,7 +2794,7 @@
           <a:p>
             <a:fld id="{1D8BD707-D9CF-40AE-B4C6-C98DA3205C09}" type="datetimeFigureOut">
               <a:rPr lang="en-US" smtClean="0"/>
-              <a:t>10/15/2024</a:t>
+              <a:t>10/16/2024</a:t>
             </a:fld>
             <a:endParaRPr lang="en-US"/>
           </a:p>
@@ -2889,7 +2889,7 @@
           <a:p>
             <a:fld id="{1D8BD707-D9CF-40AE-B4C6-C98DA3205C09}" type="datetimeFigureOut">
               <a:rPr lang="en-US" smtClean="0"/>
-              <a:t>10/15/2024</a:t>
+              <a:t>10/16/2024</a:t>
             </a:fld>
             <a:endParaRPr lang="en-US"/>
           </a:p>
@@ -3245,7 +3245,7 @@
           <a:p>
             <a:fld id="{1D8BD707-D9CF-40AE-B4C6-C98DA3205C09}" type="datetimeFigureOut">
               <a:rPr lang="en-US" smtClean="0"/>
-              <a:t>10/15/2024</a:t>
+              <a:t>10/16/2024</a:t>
             </a:fld>
             <a:endParaRPr lang="en-US"/>
           </a:p>
@@ -3548,7 +3548,7 @@
           <a:p>
             <a:fld id="{1D8BD707-D9CF-40AE-B4C6-C98DA3205C09}" type="datetimeFigureOut">
               <a:rPr lang="en-US" smtClean="0"/>
-              <a:t>10/15/2024</a:t>
+              <a:t>10/16/2024</a:t>
             </a:fld>
             <a:endParaRPr lang="en-US"/>
           </a:p>
@@ -3761,7 +3761,7 @@
           <a:p>
             <a:fld id="{1D8BD707-D9CF-40AE-B4C6-C98DA3205C09}" type="datetimeFigureOut">
               <a:rPr lang="en-US" smtClean="0"/>
-              <a:t>10/15/2024</a:t>
+              <a:t>10/16/2024</a:t>
             </a:fld>
             <a:endParaRPr lang="en-US"/>
           </a:p>
@@ -4536,201 +4536,6 @@
           </a:p>
         </p:txBody>
       </p:sp>
-      <p:sp>
-        <p:nvSpPr>
-          <p:cNvPr id="7" name="object 7"/>
-          <p:cNvSpPr/>
-          <p:nvPr/>
-        </p:nvSpPr>
-        <p:spPr>
-          <a:xfrm>
-            <a:off x="2903753" y="856081"/>
-            <a:ext cx="184785" cy="360045"/>
-          </a:xfrm>
-          <a:custGeom>
-            <a:avLst/>
-            <a:gdLst/>
-            <a:ahLst/>
-            <a:cxnLst/>
-            <a:rect l="l" t="t" r="r" b="b"/>
-            <a:pathLst>
-              <a:path w="184785" h="360044">
-                <a:moveTo>
-                  <a:pt x="184683" y="0"/>
-                </a:moveTo>
-                <a:lnTo>
-                  <a:pt x="179997" y="0"/>
-                </a:lnTo>
-                <a:lnTo>
-                  <a:pt x="4686" y="0"/>
-                </a:lnTo>
-                <a:lnTo>
-                  <a:pt x="0" y="0"/>
-                </a:lnTo>
-                <a:lnTo>
-                  <a:pt x="4686" y="360006"/>
-                </a:lnTo>
-                <a:lnTo>
-                  <a:pt x="184683" y="360006"/>
-                </a:lnTo>
-                <a:lnTo>
-                  <a:pt x="184683" y="0"/>
-                </a:lnTo>
-                <a:close/>
-              </a:path>
-            </a:pathLst>
-          </a:custGeom>
-          <a:solidFill>
-            <a:srgbClr val="FFFFFF">
-              <a:alpha val="50000"/>
-            </a:srgbClr>
-          </a:solidFill>
-        </p:spPr>
-        <p:txBody>
-          <a:bodyPr wrap="square" lIns="0" tIns="0" rIns="0" bIns="0" rtlCol="0"/>
-          <a:lstStyle/>
-          <a:p>
-            <a:endParaRPr/>
-          </a:p>
-        </p:txBody>
-      </p:sp>
-      <p:sp>
-        <p:nvSpPr>
-          <p:cNvPr id="8" name="object 8"/>
-          <p:cNvSpPr/>
-          <p:nvPr/>
-        </p:nvSpPr>
-        <p:spPr>
-          <a:xfrm>
-            <a:off x="3530511" y="770762"/>
-            <a:ext cx="289560" cy="457200"/>
-          </a:xfrm>
-          <a:custGeom>
-            <a:avLst/>
-            <a:gdLst/>
-            <a:ahLst/>
-            <a:cxnLst/>
-            <a:rect l="l" t="t" r="r" b="b"/>
-            <a:pathLst>
-              <a:path w="289560" h="457200">
-                <a:moveTo>
-                  <a:pt x="289445" y="0"/>
-                </a:moveTo>
-                <a:lnTo>
-                  <a:pt x="109448" y="0"/>
-                </a:lnTo>
-                <a:lnTo>
-                  <a:pt x="109448" y="97205"/>
-                </a:lnTo>
-                <a:lnTo>
-                  <a:pt x="0" y="97205"/>
-                </a:lnTo>
-                <a:lnTo>
-                  <a:pt x="0" y="457200"/>
-                </a:lnTo>
-                <a:lnTo>
-                  <a:pt x="179997" y="457200"/>
-                </a:lnTo>
-                <a:lnTo>
-                  <a:pt x="179997" y="360006"/>
-                </a:lnTo>
-                <a:lnTo>
-                  <a:pt x="289445" y="360006"/>
-                </a:lnTo>
-                <a:lnTo>
-                  <a:pt x="289445" y="0"/>
-                </a:lnTo>
-                <a:close/>
-              </a:path>
-            </a:pathLst>
-          </a:custGeom>
-          <a:solidFill>
-            <a:srgbClr val="FFFFFF">
-              <a:alpha val="50000"/>
-            </a:srgbClr>
-          </a:solidFill>
-        </p:spPr>
-        <p:txBody>
-          <a:bodyPr wrap="square" lIns="0" tIns="0" rIns="0" bIns="0" rtlCol="0"/>
-          <a:lstStyle/>
-          <a:p>
-            <a:endParaRPr/>
-          </a:p>
-        </p:txBody>
-      </p:sp>
-      <p:sp>
-        <p:nvSpPr>
-          <p:cNvPr id="9" name="object 9"/>
-          <p:cNvSpPr/>
-          <p:nvPr/>
-        </p:nvSpPr>
-        <p:spPr>
-          <a:xfrm>
-            <a:off x="1897189" y="831608"/>
-            <a:ext cx="281940" cy="372745"/>
-          </a:xfrm>
-          <a:custGeom>
-            <a:avLst/>
-            <a:gdLst/>
-            <a:ahLst/>
-            <a:cxnLst/>
-            <a:rect l="l" t="t" r="r" b="b"/>
-            <a:pathLst>
-              <a:path w="281939" h="372744">
-                <a:moveTo>
-                  <a:pt x="281889" y="12242"/>
-                </a:moveTo>
-                <a:lnTo>
-                  <a:pt x="240487" y="12242"/>
-                </a:lnTo>
-                <a:lnTo>
-                  <a:pt x="180009" y="12242"/>
-                </a:lnTo>
-                <a:lnTo>
-                  <a:pt x="180009" y="0"/>
-                </a:lnTo>
-                <a:lnTo>
-                  <a:pt x="0" y="0"/>
-                </a:lnTo>
-                <a:lnTo>
-                  <a:pt x="0" y="359994"/>
-                </a:lnTo>
-                <a:lnTo>
-                  <a:pt x="60490" y="359994"/>
-                </a:lnTo>
-                <a:lnTo>
-                  <a:pt x="60490" y="372237"/>
-                </a:lnTo>
-                <a:lnTo>
-                  <a:pt x="97205" y="372237"/>
-                </a:lnTo>
-                <a:lnTo>
-                  <a:pt x="240487" y="372237"/>
-                </a:lnTo>
-                <a:lnTo>
-                  <a:pt x="281889" y="372237"/>
-                </a:lnTo>
-                <a:lnTo>
-                  <a:pt x="281889" y="12242"/>
-                </a:lnTo>
-                <a:close/>
-              </a:path>
-            </a:pathLst>
-          </a:custGeom>
-          <a:solidFill>
-            <a:srgbClr val="FFFFFF">
-              <a:alpha val="50000"/>
-            </a:srgbClr>
-          </a:solidFill>
-        </p:spPr>
-        <p:txBody>
-          <a:bodyPr wrap="square" lIns="0" tIns="0" rIns="0" bIns="0" rtlCol="0"/>
-          <a:lstStyle/>
-          <a:p>
-            <a:endParaRPr/>
-          </a:p>
-        </p:txBody>
-      </p:sp>
       <p:pic>
         <p:nvPicPr>
           <p:cNvPr id="10" name="object 10"/>
@@ -6285,8 +6090,8 @@
         </p:nvSpPr>
         <p:spPr>
           <a:xfrm>
-            <a:off x="4363815" y="2499867"/>
-            <a:ext cx="5881370" cy="859210"/>
+            <a:off x="4363814" y="2499867"/>
+            <a:ext cx="7454805" cy="2028761"/>
           </a:xfrm>
           <a:prstGeom prst="rect">
             <a:avLst/>
@@ -6426,7 +6231,35 @@
               </a:rPr>
               <a:t>below:</a:t>
             </a:r>
-            <a:endParaRPr sz="2200" dirty="0">
+            <a:br>
+              <a:rPr lang="en-IN" sz="2200" spc="-5" dirty="0">
+                <a:solidFill>
+                  <a:srgbClr val="0070C0"/>
+                </a:solidFill>
+                <a:latin typeface="Segoe UI"/>
+                <a:cs typeface="Segoe UI"/>
+              </a:rPr>
+            </a:br>
+            <a:br>
+              <a:rPr lang="en-IN" sz="2200" spc="-5" dirty="0">
+                <a:solidFill>
+                  <a:srgbClr val="0070C0"/>
+                </a:solidFill>
+                <a:latin typeface="Segoe UI"/>
+                <a:cs typeface="Segoe UI"/>
+              </a:rPr>
+            </a:br>
+            <a:r>
+              <a:rPr lang="en-IN" spc="-5" dirty="0">
+                <a:solidFill>
+                  <a:srgbClr val="0070C0"/>
+                </a:solidFill>
+                <a:latin typeface="Segoe UI"/>
+                <a:cs typeface="Segoe UI"/>
+              </a:rPr>
+              <a:t>https://github.com/prathamkuril/ibm-data-analyst-capstone-project/blob/main/Final_Presentation/IBM_Data_Analyst_Capstone_Project_Final_Presentation.pptx</a:t>
+            </a:r>
+            <a:endParaRPr dirty="0">
               <a:latin typeface="Segoe UI"/>
               <a:cs typeface="Segoe UI"/>
             </a:endParaRPr>
